--- a/EGCC/EGCC Template.pptx
+++ b/EGCC/EGCC Template.pptx
@@ -5,8 +5,7 @@
     <p:sldMasterId id="2147483648" r:id="rId1"/>
   </p:sldMasterIdLst>
   <p:sldIdLst>
-    <p:sldId id="257" r:id="rId2"/>
-    <p:sldId id="260" r:id="rId3"/>
+    <p:sldId id="260" r:id="rId2"/>
   </p:sldIdLst>
   <p:sldSz cx="12192000" cy="6858000"/>
   <p:notesSz cx="6858000" cy="9144000"/>
@@ -242,7 +241,7 @@
           <a:p>
             <a:fld id="{203F3554-772D-4C5B-A81D-B46EA2C46F36}" type="datetimeFigureOut">
               <a:rPr lang="en-US" smtClean="0"/>
-              <a:t>15-Jun-23</a:t>
+              <a:t>19-Jun-23</a:t>
             </a:fld>
             <a:endParaRPr lang="en-US"/>
           </a:p>
@@ -410,7 +409,7 @@
           <a:p>
             <a:fld id="{203F3554-772D-4C5B-A81D-B46EA2C46F36}" type="datetimeFigureOut">
               <a:rPr lang="en-US" smtClean="0"/>
-              <a:t>15-Jun-23</a:t>
+              <a:t>19-Jun-23</a:t>
             </a:fld>
             <a:endParaRPr lang="en-US"/>
           </a:p>
@@ -588,7 +587,7 @@
           <a:p>
             <a:fld id="{203F3554-772D-4C5B-A81D-B46EA2C46F36}" type="datetimeFigureOut">
               <a:rPr lang="en-US" smtClean="0"/>
-              <a:t>15-Jun-23</a:t>
+              <a:t>19-Jun-23</a:t>
             </a:fld>
             <a:endParaRPr lang="en-US"/>
           </a:p>
@@ -858,7 +857,7 @@
           <a:p>
             <a:fld id="{203F3554-772D-4C5B-A81D-B46EA2C46F36}" type="datetimeFigureOut">
               <a:rPr lang="en-US" smtClean="0"/>
-              <a:t>15-Jun-23</a:t>
+              <a:t>19-Jun-23</a:t>
             </a:fld>
             <a:endParaRPr lang="en-US"/>
           </a:p>
@@ -1103,7 +1102,7 @@
           <a:p>
             <a:fld id="{203F3554-772D-4C5B-A81D-B46EA2C46F36}" type="datetimeFigureOut">
               <a:rPr lang="en-US" smtClean="0"/>
-              <a:t>15-Jun-23</a:t>
+              <a:t>19-Jun-23</a:t>
             </a:fld>
             <a:endParaRPr lang="en-US"/>
           </a:p>
@@ -1332,7 +1331,7 @@
           <a:p>
             <a:fld id="{203F3554-772D-4C5B-A81D-B46EA2C46F36}" type="datetimeFigureOut">
               <a:rPr lang="en-US" smtClean="0"/>
-              <a:t>15-Jun-23</a:t>
+              <a:t>19-Jun-23</a:t>
             </a:fld>
             <a:endParaRPr lang="en-US"/>
           </a:p>
@@ -1696,7 +1695,7 @@
           <a:p>
             <a:fld id="{203F3554-772D-4C5B-A81D-B46EA2C46F36}" type="datetimeFigureOut">
               <a:rPr lang="en-US" smtClean="0"/>
-              <a:t>15-Jun-23</a:t>
+              <a:t>19-Jun-23</a:t>
             </a:fld>
             <a:endParaRPr lang="en-US"/>
           </a:p>
@@ -1813,7 +1812,7 @@
           <a:p>
             <a:fld id="{203F3554-772D-4C5B-A81D-B46EA2C46F36}" type="datetimeFigureOut">
               <a:rPr lang="en-US" smtClean="0"/>
-              <a:t>15-Jun-23</a:t>
+              <a:t>19-Jun-23</a:t>
             </a:fld>
             <a:endParaRPr lang="en-US"/>
           </a:p>
@@ -1908,7 +1907,7 @@
           <a:p>
             <a:fld id="{203F3554-772D-4C5B-A81D-B46EA2C46F36}" type="datetimeFigureOut">
               <a:rPr lang="en-US" smtClean="0"/>
-              <a:t>15-Jun-23</a:t>
+              <a:t>19-Jun-23</a:t>
             </a:fld>
             <a:endParaRPr lang="en-US"/>
           </a:p>
@@ -2183,7 +2182,7 @@
           <a:p>
             <a:fld id="{203F3554-772D-4C5B-A81D-B46EA2C46F36}" type="datetimeFigureOut">
               <a:rPr lang="en-US" smtClean="0"/>
-              <a:t>15-Jun-23</a:t>
+              <a:t>19-Jun-23</a:t>
             </a:fld>
             <a:endParaRPr lang="en-US"/>
           </a:p>
@@ -2435,7 +2434,7 @@
           <a:p>
             <a:fld id="{203F3554-772D-4C5B-A81D-B46EA2C46F36}" type="datetimeFigureOut">
               <a:rPr lang="en-US" smtClean="0"/>
-              <a:t>15-Jun-23</a:t>
+              <a:t>19-Jun-23</a:t>
             </a:fld>
             <a:endParaRPr lang="en-US"/>
           </a:p>
@@ -2646,7 +2645,7 @@
           <a:p>
             <a:fld id="{203F3554-772D-4C5B-A81D-B46EA2C46F36}" type="datetimeFigureOut">
               <a:rPr lang="en-US" smtClean="0"/>
-              <a:t>15-Jun-23</a:t>
+              <a:t>19-Jun-23</a:t>
             </a:fld>
             <a:endParaRPr lang="en-US"/>
           </a:p>
@@ -3052,204 +3051,6 @@
           <a:chExt cx="0" cy="0"/>
         </a:xfrm>
       </p:grpSpPr>
-      <p:pic>
-        <p:nvPicPr>
-          <p:cNvPr id="6" name="Picture 5">
-            <a:extLst>
-              <a:ext uri="{FF2B5EF4-FFF2-40B4-BE49-F238E27FC236}">
-                <a16:creationId xmlns:a16="http://schemas.microsoft.com/office/drawing/2014/main" id="{BE564B67-A756-BF59-F3D5-94B86C790466}"/>
-              </a:ext>
-            </a:extLst>
-          </p:cNvPr>
-          <p:cNvPicPr>
-            <a:picLocks noChangeAspect="1"/>
-          </p:cNvPicPr>
-          <p:nvPr/>
-        </p:nvPicPr>
-        <p:blipFill>
-          <a:blip r:embed="rId2" cstate="print">
-            <a:extLst>
-              <a:ext uri="{28A0092B-C50C-407E-A947-70E740481C1C}">
-                <a14:useLocalDpi xmlns:a14="http://schemas.microsoft.com/office/drawing/2010/main" val="0"/>
-              </a:ext>
-            </a:extLst>
-          </a:blip>
-          <a:stretch>
-            <a:fillRect/>
-          </a:stretch>
-        </p:blipFill>
-        <p:spPr>
-          <a:xfrm>
-            <a:off x="3924300" y="2061990"/>
-            <a:ext cx="4343400" cy="1889240"/>
-          </a:xfrm>
-          <a:prstGeom prst="rect">
-            <a:avLst/>
-          </a:prstGeom>
-        </p:spPr>
-      </p:pic>
-      <p:grpSp>
-        <p:nvGrpSpPr>
-          <p:cNvPr id="7" name="Group 6">
-            <a:extLst>
-              <a:ext uri="{FF2B5EF4-FFF2-40B4-BE49-F238E27FC236}">
-                <a16:creationId xmlns:a16="http://schemas.microsoft.com/office/drawing/2014/main" id="{6381B725-4E79-A330-4F35-69D1E92622EA}"/>
-              </a:ext>
-            </a:extLst>
-          </p:cNvPr>
-          <p:cNvGrpSpPr/>
-          <p:nvPr/>
-        </p:nvGrpSpPr>
-        <p:grpSpPr>
-          <a:xfrm>
-            <a:off x="4080619" y="4522490"/>
-            <a:ext cx="4107838" cy="584200"/>
-            <a:chOff x="4080619" y="4700290"/>
-            <a:chExt cx="4107838" cy="584200"/>
-          </a:xfrm>
-        </p:grpSpPr>
-        <p:sp>
-          <p:nvSpPr>
-            <p:cNvPr id="8" name="Rectangle 7">
-              <a:extLst>
-                <a:ext uri="{FF2B5EF4-FFF2-40B4-BE49-F238E27FC236}">
-                  <a16:creationId xmlns:a16="http://schemas.microsoft.com/office/drawing/2014/main" id="{6171CF7D-F6DA-D3A8-1C7B-FA729EFCC2AA}"/>
-                </a:ext>
-              </a:extLst>
-            </p:cNvPr>
-            <p:cNvSpPr/>
-            <p:nvPr/>
-          </p:nvSpPr>
-          <p:spPr>
-            <a:xfrm>
-              <a:off x="4080619" y="4700290"/>
-              <a:ext cx="4107838" cy="584200"/>
-            </a:xfrm>
-            <a:prstGeom prst="rect">
-              <a:avLst/>
-            </a:prstGeom>
-            <a:solidFill>
-              <a:schemeClr val="tx1">
-                <a:lumMod val="85000"/>
-                <a:lumOff val="15000"/>
-              </a:schemeClr>
-            </a:solidFill>
-            <a:ln>
-              <a:noFill/>
-            </a:ln>
-          </p:spPr>
-          <p:style>
-            <a:lnRef idx="2">
-              <a:schemeClr val="accent1">
-                <a:shade val="50000"/>
-              </a:schemeClr>
-            </a:lnRef>
-            <a:fillRef idx="1">
-              <a:schemeClr val="accent1"/>
-            </a:fillRef>
-            <a:effectRef idx="0">
-              <a:schemeClr val="accent1"/>
-            </a:effectRef>
-            <a:fontRef idx="minor">
-              <a:schemeClr val="lt1"/>
-            </a:fontRef>
-          </p:style>
-          <p:txBody>
-            <a:bodyPr rtlCol="0" anchor="ctr"/>
-            <a:lstStyle/>
-            <a:p>
-              <a:pPr algn="ctr"/>
-              <a:endParaRPr lang="en-US" dirty="0">
-                <a:solidFill>
-                  <a:schemeClr val="bg1"/>
-                </a:solidFill>
-              </a:endParaRPr>
-            </a:p>
-          </p:txBody>
-        </p:sp>
-        <p:sp>
-          <p:nvSpPr>
-            <p:cNvPr id="9" name="TextBox 8">
-              <a:extLst>
-                <a:ext uri="{FF2B5EF4-FFF2-40B4-BE49-F238E27FC236}">
-                  <a16:creationId xmlns:a16="http://schemas.microsoft.com/office/drawing/2014/main" id="{1D5DA6E1-A5B1-32FD-3E23-82F9A56632B9}"/>
-                </a:ext>
-              </a:extLst>
-            </p:cNvPr>
-            <p:cNvSpPr txBox="1"/>
-            <p:nvPr/>
-          </p:nvSpPr>
-          <p:spPr>
-            <a:xfrm>
-              <a:off x="5017582" y="4775200"/>
-              <a:ext cx="2207656" cy="461665"/>
-            </a:xfrm>
-            <a:prstGeom prst="rect">
-              <a:avLst/>
-            </a:prstGeom>
-            <a:noFill/>
-          </p:spPr>
-          <p:txBody>
-            <a:bodyPr wrap="none" rtlCol="0">
-              <a:spAutoFit/>
-            </a:bodyPr>
-            <a:lstStyle/>
-            <a:p>
-              <a:pPr algn="ctr"/>
-              <a:r>
-                <a:rPr lang="en-GB" sz="2400" b="1" cap="all" spc="-75" dirty="0" err="1">
-                  <a:solidFill>
-                    <a:schemeClr val="bg1"/>
-                  </a:solidFill>
-                  <a:latin typeface="Libre Franklin" panose="00000500000000000000" pitchFamily="2" charset="0"/>
-                  <a:ea typeface="Times New Roman" panose="02020603050405020304" pitchFamily="18" charset="0"/>
-                  <a:cs typeface="Poppins" panose="00000500000000000000" pitchFamily="2" charset="0"/>
-                </a:rPr>
-                <a:t>Topic_NAME</a:t>
-              </a:r>
-              <a:endParaRPr lang="en-US" sz="2400" cap="all" spc="-75" dirty="0">
-                <a:solidFill>
-                  <a:schemeClr val="bg1"/>
-                </a:solidFill>
-                <a:effectLst/>
-                <a:latin typeface="Libre Franklin" panose="00000500000000000000" pitchFamily="2" charset="0"/>
-                <a:ea typeface="Times New Roman" panose="02020603050405020304" pitchFamily="18" charset="0"/>
-                <a:cs typeface="Poppins" panose="00000500000000000000" pitchFamily="2" charset="0"/>
-              </a:endParaRPr>
-            </a:p>
-          </p:txBody>
-        </p:sp>
-      </p:grpSp>
-    </p:spTree>
-    <p:extLst>
-      <p:ext uri="{BB962C8B-B14F-4D97-AF65-F5344CB8AC3E}">
-        <p14:creationId xmlns:p14="http://schemas.microsoft.com/office/powerpoint/2010/main" val="3323414655"/>
-      </p:ext>
-    </p:extLst>
-  </p:cSld>
-  <p:clrMapOvr>
-    <a:masterClrMapping/>
-  </p:clrMapOvr>
-</p:sld>
-</file>
-
-<file path=ppt/slides/slide2.xml><?xml version="1.0" encoding="utf-8"?>
-<p:sld xmlns:a="http://schemas.openxmlformats.org/drawingml/2006/main" xmlns:r="http://schemas.openxmlformats.org/officeDocument/2006/relationships" xmlns:p="http://schemas.openxmlformats.org/presentationml/2006/main">
-  <p:cSld>
-    <p:spTree>
-      <p:nvGrpSpPr>
-        <p:cNvPr id="1" name=""/>
-        <p:cNvGrpSpPr/>
-        <p:nvPr/>
-      </p:nvGrpSpPr>
-      <p:grpSpPr>
-        <a:xfrm>
-          <a:off x="0" y="0"/>
-          <a:ext cx="0" cy="0"/>
-          <a:chOff x="0" y="0"/>
-          <a:chExt cx="0" cy="0"/>
-        </a:xfrm>
-      </p:grpSpPr>
       <p:sp>
         <p:nvSpPr>
           <p:cNvPr id="12" name="Content Placeholder 2">
@@ -3305,7 +3106,7 @@
         <p:grpSpPr>
           <a:xfrm>
             <a:off x="3516199" y="1150070"/>
-            <a:ext cx="2014163" cy="513761"/>
+            <a:ext cx="2427401" cy="513761"/>
             <a:chOff x="3516199" y="1150070"/>
             <a:chExt cx="3706305" cy="513761"/>
           </a:xfrm>
@@ -3430,53 +3231,6 @@
           </p:txBody>
         </p:sp>
       </p:grpSp>
-      <p:pic>
-        <p:nvPicPr>
-          <p:cNvPr id="8" name="Picture 2" descr="Correct - Free ui icons">
-            <a:extLst>
-              <a:ext uri="{FF2B5EF4-FFF2-40B4-BE49-F238E27FC236}">
-                <a16:creationId xmlns:a16="http://schemas.microsoft.com/office/drawing/2014/main" id="{CDF77B77-511B-0748-0D7C-1A216C6A75C8}"/>
-              </a:ext>
-            </a:extLst>
-          </p:cNvPr>
-          <p:cNvPicPr>
-            <a:picLocks noChangeAspect="1" noChangeArrowheads="1"/>
-          </p:cNvPicPr>
-          <p:nvPr/>
-        </p:nvPicPr>
-        <p:blipFill>
-          <a:blip r:embed="rId2" cstate="print">
-            <a:extLst>
-              <a:ext uri="{28A0092B-C50C-407E-A947-70E740481C1C}">
-                <a14:useLocalDpi xmlns:a14="http://schemas.microsoft.com/office/drawing/2010/main" val="0"/>
-              </a:ext>
-            </a:extLst>
-          </a:blip>
-          <a:srcRect/>
-          <a:stretch>
-            <a:fillRect/>
-          </a:stretch>
-        </p:blipFill>
-        <p:spPr bwMode="auto">
-          <a:xfrm>
-            <a:off x="-676201" y="3384069"/>
-            <a:ext cx="511760" cy="511760"/>
-          </a:xfrm>
-          <a:prstGeom prst="rect">
-            <a:avLst/>
-          </a:prstGeom>
-          <a:noFill/>
-          <a:extLst>
-            <a:ext uri="{909E8E84-426E-40DD-AFC4-6F175D3DCCD1}">
-              <a14:hiddenFill xmlns:a14="http://schemas.microsoft.com/office/drawing/2010/main">
-                <a:solidFill>
-                  <a:srgbClr val="FFFFFF"/>
-                </a:solidFill>
-              </a14:hiddenFill>
-            </a:ext>
-          </a:extLst>
-        </p:spPr>
-      </p:pic>
     </p:spTree>
     <p:extLst>
       <p:ext uri="{BB962C8B-B14F-4D97-AF65-F5344CB8AC3E}">
@@ -3487,89 +3241,6 @@
   <p:clrMapOvr>
     <a:masterClrMapping/>
   </p:clrMapOvr>
-  <p:timing>
-    <p:tnLst>
-      <p:par>
-        <p:cTn id="1" dur="indefinite" restart="never" nodeType="tmRoot">
-          <p:childTnLst>
-            <p:seq concurrent="1" nextAc="seek">
-              <p:cTn id="2" dur="indefinite" nodeType="mainSeq">
-                <p:childTnLst>
-                  <p:par>
-                    <p:cTn id="3" fill="hold">
-                      <p:stCondLst>
-                        <p:cond delay="indefinite"/>
-                      </p:stCondLst>
-                      <p:childTnLst>
-                        <p:par>
-                          <p:cTn id="4" fill="hold">
-                            <p:stCondLst>
-                              <p:cond delay="0"/>
-                            </p:stCondLst>
-                            <p:childTnLst>
-                              <p:par>
-                                <p:cTn id="5" presetID="10" presetClass="entr" presetSubtype="0" fill="hold" nodeType="clickEffect">
-                                  <p:stCondLst>
-                                    <p:cond delay="0"/>
-                                  </p:stCondLst>
-                                  <p:childTnLst>
-                                    <p:set>
-                                      <p:cBhvr>
-                                        <p:cTn id="6" dur="1" fill="hold">
-                                          <p:stCondLst>
-                                            <p:cond delay="0"/>
-                                          </p:stCondLst>
-                                        </p:cTn>
-                                        <p:tgtEl>
-                                          <p:spTgt spid="8"/>
-                                        </p:tgtEl>
-                                        <p:attrNameLst>
-                                          <p:attrName>style.visibility</p:attrName>
-                                        </p:attrNameLst>
-                                      </p:cBhvr>
-                                      <p:to>
-                                        <p:strVal val="visible"/>
-                                      </p:to>
-                                    </p:set>
-                                    <p:animEffect transition="in" filter="fade">
-                                      <p:cBhvr>
-                                        <p:cTn id="7" dur="500"/>
-                                        <p:tgtEl>
-                                          <p:spTgt spid="8"/>
-                                        </p:tgtEl>
-                                      </p:cBhvr>
-                                    </p:animEffect>
-                                  </p:childTnLst>
-                                </p:cTn>
-                              </p:par>
-                            </p:childTnLst>
-                          </p:cTn>
-                        </p:par>
-                      </p:childTnLst>
-                    </p:cTn>
-                  </p:par>
-                </p:childTnLst>
-              </p:cTn>
-              <p:prevCondLst>
-                <p:cond evt="onPrev" delay="0">
-                  <p:tgtEl>
-                    <p:sldTgt/>
-                  </p:tgtEl>
-                </p:cond>
-              </p:prevCondLst>
-              <p:nextCondLst>
-                <p:cond evt="onNext" delay="0">
-                  <p:tgtEl>
-                    <p:sldTgt/>
-                  </p:tgtEl>
-                </p:cond>
-              </p:nextCondLst>
-            </p:seq>
-          </p:childTnLst>
-        </p:cTn>
-      </p:par>
-    </p:tnLst>
-  </p:timing>
 </p:sld>
 </file>
 
